--- a/ppts/Sales_Forecasting_Design_B4.pptx
+++ b/ppts/Sales_Forecasting_Design_B4.pptx
@@ -20,7 +20,7 @@
     <p:sldId id="268" r:id="rId15"/>
   </p:sldIdLst>
   <p:sldSz cx="7920038" cy="3959225"/>
-  <p:notesSz cx="6858000" cy="9144000"/>
+  <p:notesSz cx="7559675" cy="10691813"/>
 </p:presentation>
 </file>
 
@@ -55,7 +55,7 @@
         <p:txBody>
           <a:bodyPr/>
           <a:p>
-            <a:fld id="{78373526-8016-4AE4-9B29-5B5694D3AA89}" type="slidenum">
+            <a:fld id="{D239A0FA-EA1D-4D1B-89CC-BF332F3E360D}" type="slidenum">
               <a:t>&lt;#&gt;</a:t>
             </a:fld>
           </a:p>
@@ -111,10 +111,10 @@
             <a:noAutofit/>
           </a:bodyPr>
           <a:p>
-            <a:endParaRPr b="0" lang="en-IN" sz="1400" spc="-1" strike="noStrike">
-              <a:solidFill>
-                <a:srgbClr val="000000"/>
-              </a:solidFill>
+            <a:pPr algn="ctr">
+              <a:buNone/>
+            </a:pPr>
+            <a:endParaRPr b="0" lang="en-IN" sz="4400" spc="-1" strike="noStrike">
               <a:latin typeface="Arial"/>
             </a:endParaRPr>
           </a:p>
@@ -148,10 +148,7 @@
             <a:normAutofit/>
           </a:bodyPr>
           <a:p>
-            <a:endParaRPr b="0" lang="en-IN" sz="1400" spc="-1" strike="noStrike">
-              <a:solidFill>
-                <a:srgbClr val="000000"/>
-              </a:solidFill>
+            <a:endParaRPr b="0" lang="en-IN" sz="3200" spc="-1" strike="noStrike">
               <a:latin typeface="Arial"/>
             </a:endParaRPr>
           </a:p>
@@ -185,10 +182,7 @@
             <a:normAutofit/>
           </a:bodyPr>
           <a:p>
-            <a:endParaRPr b="0" lang="en-IN" sz="1400" spc="-1" strike="noStrike">
-              <a:solidFill>
-                <a:srgbClr val="000000"/>
-              </a:solidFill>
+            <a:endParaRPr b="0" lang="en-IN" sz="3200" spc="-1" strike="noStrike">
               <a:latin typeface="Arial"/>
             </a:endParaRPr>
           </a:p>
@@ -208,7 +202,7 @@
         <p:txBody>
           <a:bodyPr/>
           <a:p>
-            <a:fld id="{FE5B7C81-6380-4C1B-8F9C-5B523495A60A}" type="slidenum">
+            <a:fld id="{90FE3192-5330-46A0-8AE4-C5DEAD6AA4D1}" type="slidenum">
               <a:t>&lt;#&gt;</a:t>
             </a:fld>
           </a:p>
@@ -264,10 +258,10 @@
             <a:noAutofit/>
           </a:bodyPr>
           <a:p>
-            <a:endParaRPr b="0" lang="en-IN" sz="1400" spc="-1" strike="noStrike">
-              <a:solidFill>
-                <a:srgbClr val="000000"/>
-              </a:solidFill>
+            <a:pPr algn="ctr">
+              <a:buNone/>
+            </a:pPr>
+            <a:endParaRPr b="0" lang="en-IN" sz="4400" spc="-1" strike="noStrike">
               <a:latin typeface="Arial"/>
             </a:endParaRPr>
           </a:p>
@@ -301,10 +295,7 @@
             <a:normAutofit/>
           </a:bodyPr>
           <a:p>
-            <a:endParaRPr b="0" lang="en-IN" sz="1400" spc="-1" strike="noStrike">
-              <a:solidFill>
-                <a:srgbClr val="000000"/>
-              </a:solidFill>
+            <a:endParaRPr b="0" lang="en-IN" sz="3200" spc="-1" strike="noStrike">
               <a:latin typeface="Arial"/>
             </a:endParaRPr>
           </a:p>
@@ -338,10 +329,7 @@
             <a:normAutofit/>
           </a:bodyPr>
           <a:p>
-            <a:endParaRPr b="0" lang="en-IN" sz="1400" spc="-1" strike="noStrike">
-              <a:solidFill>
-                <a:srgbClr val="000000"/>
-              </a:solidFill>
+            <a:endParaRPr b="0" lang="en-IN" sz="3200" spc="-1" strike="noStrike">
               <a:latin typeface="Arial"/>
             </a:endParaRPr>
           </a:p>
@@ -375,10 +363,7 @@
             <a:normAutofit/>
           </a:bodyPr>
           <a:p>
-            <a:endParaRPr b="0" lang="en-IN" sz="1400" spc="-1" strike="noStrike">
-              <a:solidFill>
-                <a:srgbClr val="000000"/>
-              </a:solidFill>
+            <a:endParaRPr b="0" lang="en-IN" sz="3200" spc="-1" strike="noStrike">
               <a:latin typeface="Arial"/>
             </a:endParaRPr>
           </a:p>
@@ -412,10 +397,7 @@
             <a:normAutofit/>
           </a:bodyPr>
           <a:p>
-            <a:endParaRPr b="0" lang="en-IN" sz="1400" spc="-1" strike="noStrike">
-              <a:solidFill>
-                <a:srgbClr val="000000"/>
-              </a:solidFill>
+            <a:endParaRPr b="0" lang="en-IN" sz="3200" spc="-1" strike="noStrike">
               <a:latin typeface="Arial"/>
             </a:endParaRPr>
           </a:p>
@@ -435,7 +417,7 @@
         <p:txBody>
           <a:bodyPr/>
           <a:p>
-            <a:fld id="{B7B5557C-CCF9-4B88-8A1E-B17B8C94FB3A}" type="slidenum">
+            <a:fld id="{E10E37FB-2778-4BC7-8BB1-09D9D058B495}" type="slidenum">
               <a:t>&lt;#&gt;</a:t>
             </a:fld>
           </a:p>
@@ -491,10 +473,10 @@
             <a:noAutofit/>
           </a:bodyPr>
           <a:p>
-            <a:endParaRPr b="0" lang="en-IN" sz="1400" spc="-1" strike="noStrike">
-              <a:solidFill>
-                <a:srgbClr val="000000"/>
-              </a:solidFill>
+            <a:pPr algn="ctr">
+              <a:buNone/>
+            </a:pPr>
+            <a:endParaRPr b="0" lang="en-IN" sz="4400" spc="-1" strike="noStrike">
               <a:latin typeface="Arial"/>
             </a:endParaRPr>
           </a:p>
@@ -528,10 +510,7 @@
             <a:normAutofit/>
           </a:bodyPr>
           <a:p>
-            <a:endParaRPr b="0" lang="en-IN" sz="1400" spc="-1" strike="noStrike">
-              <a:solidFill>
-                <a:srgbClr val="000000"/>
-              </a:solidFill>
+            <a:endParaRPr b="0" lang="en-IN" sz="3200" spc="-1" strike="noStrike">
               <a:latin typeface="Arial"/>
             </a:endParaRPr>
           </a:p>
@@ -565,10 +544,7 @@
             <a:normAutofit/>
           </a:bodyPr>
           <a:p>
-            <a:endParaRPr b="0" lang="en-IN" sz="1400" spc="-1" strike="noStrike">
-              <a:solidFill>
-                <a:srgbClr val="000000"/>
-              </a:solidFill>
+            <a:endParaRPr b="0" lang="en-IN" sz="3200" spc="-1" strike="noStrike">
               <a:latin typeface="Arial"/>
             </a:endParaRPr>
           </a:p>
@@ -602,10 +578,7 @@
             <a:normAutofit/>
           </a:bodyPr>
           <a:p>
-            <a:endParaRPr b="0" lang="en-IN" sz="1400" spc="-1" strike="noStrike">
-              <a:solidFill>
-                <a:srgbClr val="000000"/>
-              </a:solidFill>
+            <a:endParaRPr b="0" lang="en-IN" sz="3200" spc="-1" strike="noStrike">
               <a:latin typeface="Arial"/>
             </a:endParaRPr>
           </a:p>
@@ -639,10 +612,7 @@
             <a:normAutofit/>
           </a:bodyPr>
           <a:p>
-            <a:endParaRPr b="0" lang="en-IN" sz="1400" spc="-1" strike="noStrike">
-              <a:solidFill>
-                <a:srgbClr val="000000"/>
-              </a:solidFill>
+            <a:endParaRPr b="0" lang="en-IN" sz="3200" spc="-1" strike="noStrike">
               <a:latin typeface="Arial"/>
             </a:endParaRPr>
           </a:p>
@@ -676,10 +646,7 @@
             <a:normAutofit/>
           </a:bodyPr>
           <a:p>
-            <a:endParaRPr b="0" lang="en-IN" sz="1400" spc="-1" strike="noStrike">
-              <a:solidFill>
-                <a:srgbClr val="000000"/>
-              </a:solidFill>
+            <a:endParaRPr b="0" lang="en-IN" sz="3200" spc="-1" strike="noStrike">
               <a:latin typeface="Arial"/>
             </a:endParaRPr>
           </a:p>
@@ -713,10 +680,7 @@
             <a:normAutofit/>
           </a:bodyPr>
           <a:p>
-            <a:endParaRPr b="0" lang="en-IN" sz="1400" spc="-1" strike="noStrike">
-              <a:solidFill>
-                <a:srgbClr val="000000"/>
-              </a:solidFill>
+            <a:endParaRPr b="0" lang="en-IN" sz="3200" spc="-1" strike="noStrike">
               <a:latin typeface="Arial"/>
             </a:endParaRPr>
           </a:p>
@@ -736,7 +700,7 @@
         <p:txBody>
           <a:bodyPr/>
           <a:p>
-            <a:fld id="{C915179F-E8DD-4CF3-B7F2-DD535F8093A5}" type="slidenum">
+            <a:fld id="{C16530B2-9E51-4AB8-8CAA-43B64F4470F0}" type="slidenum">
               <a:t>&lt;#&gt;</a:t>
             </a:fld>
           </a:p>
@@ -792,10 +756,10 @@
             <a:noAutofit/>
           </a:bodyPr>
           <a:p>
-            <a:endParaRPr b="0" lang="en-IN" sz="1400" spc="-1" strike="noStrike">
-              <a:solidFill>
-                <a:srgbClr val="000000"/>
-              </a:solidFill>
+            <a:pPr algn="ctr">
+              <a:buNone/>
+            </a:pPr>
+            <a:endParaRPr b="0" lang="en-IN" sz="4400" spc="-1" strike="noStrike">
               <a:latin typeface="Arial"/>
             </a:endParaRPr>
           </a:p>
@@ -852,7 +816,7 @@
         <p:txBody>
           <a:bodyPr/>
           <a:p>
-            <a:fld id="{62F1E008-2BB3-470E-BECE-2AEE901EF967}" type="slidenum">
+            <a:fld id="{8F50C1A5-2426-4201-9653-23B710DDAFFA}" type="slidenum">
               <a:t>&lt;#&gt;</a:t>
             </a:fld>
           </a:p>
@@ -908,10 +872,10 @@
             <a:noAutofit/>
           </a:bodyPr>
           <a:p>
-            <a:endParaRPr b="0" lang="en-IN" sz="1400" spc="-1" strike="noStrike">
-              <a:solidFill>
-                <a:srgbClr val="000000"/>
-              </a:solidFill>
+            <a:pPr algn="ctr">
+              <a:buNone/>
+            </a:pPr>
+            <a:endParaRPr b="0" lang="en-IN" sz="4400" spc="-1" strike="noStrike">
               <a:latin typeface="Arial"/>
             </a:endParaRPr>
           </a:p>
@@ -945,10 +909,7 @@
             <a:normAutofit/>
           </a:bodyPr>
           <a:p>
-            <a:endParaRPr b="0" lang="en-IN" sz="1400" spc="-1" strike="noStrike">
-              <a:solidFill>
-                <a:srgbClr val="000000"/>
-              </a:solidFill>
+            <a:endParaRPr b="0" lang="en-IN" sz="3200" spc="-1" strike="noStrike">
               <a:latin typeface="Arial"/>
             </a:endParaRPr>
           </a:p>
@@ -968,7 +929,7 @@
         <p:txBody>
           <a:bodyPr/>
           <a:p>
-            <a:fld id="{C8021BEF-08FA-440A-8C31-35E97742F726}" type="slidenum">
+            <a:fld id="{8826FF80-9628-44FA-BB4F-C5DF4D40BBD0}" type="slidenum">
               <a:t>&lt;#&gt;</a:t>
             </a:fld>
           </a:p>
@@ -1024,10 +985,10 @@
             <a:noAutofit/>
           </a:bodyPr>
           <a:p>
-            <a:endParaRPr b="0" lang="en-IN" sz="1400" spc="-1" strike="noStrike">
-              <a:solidFill>
-                <a:srgbClr val="000000"/>
-              </a:solidFill>
+            <a:pPr algn="ctr">
+              <a:buNone/>
+            </a:pPr>
+            <a:endParaRPr b="0" lang="en-IN" sz="4400" spc="-1" strike="noStrike">
               <a:latin typeface="Arial"/>
             </a:endParaRPr>
           </a:p>
@@ -1061,10 +1022,7 @@
             <a:normAutofit/>
           </a:bodyPr>
           <a:p>
-            <a:endParaRPr b="0" lang="en-IN" sz="1400" spc="-1" strike="noStrike">
-              <a:solidFill>
-                <a:srgbClr val="000000"/>
-              </a:solidFill>
+            <a:endParaRPr b="0" lang="en-IN" sz="3200" spc="-1" strike="noStrike">
               <a:latin typeface="Arial"/>
             </a:endParaRPr>
           </a:p>
@@ -1098,10 +1056,7 @@
             <a:normAutofit/>
           </a:bodyPr>
           <a:p>
-            <a:endParaRPr b="0" lang="en-IN" sz="1400" spc="-1" strike="noStrike">
-              <a:solidFill>
-                <a:srgbClr val="000000"/>
-              </a:solidFill>
+            <a:endParaRPr b="0" lang="en-IN" sz="3200" spc="-1" strike="noStrike">
               <a:latin typeface="Arial"/>
             </a:endParaRPr>
           </a:p>
@@ -1121,7 +1076,7 @@
         <p:txBody>
           <a:bodyPr/>
           <a:p>
-            <a:fld id="{17029454-C41D-4DC8-9EF4-AA459813BC82}" type="slidenum">
+            <a:fld id="{3C32C983-5ED0-4CA0-A305-294FCDF634A3}" type="slidenum">
               <a:t>&lt;#&gt;</a:t>
             </a:fld>
           </a:p>
@@ -1177,10 +1132,10 @@
             <a:noAutofit/>
           </a:bodyPr>
           <a:p>
-            <a:endParaRPr b="0" lang="en-IN" sz="1400" spc="-1" strike="noStrike">
-              <a:solidFill>
-                <a:srgbClr val="000000"/>
-              </a:solidFill>
+            <a:pPr algn="ctr">
+              <a:buNone/>
+            </a:pPr>
+            <a:endParaRPr b="0" lang="en-IN" sz="4400" spc="-1" strike="noStrike">
               <a:latin typeface="Arial"/>
             </a:endParaRPr>
           </a:p>
@@ -1200,7 +1155,7 @@
         <p:txBody>
           <a:bodyPr/>
           <a:p>
-            <a:fld id="{3602FA56-8272-4763-9BD0-487406780515}" type="slidenum">
+            <a:fld id="{5B885B70-54CF-417F-AF5D-73CB83D6F6D3}" type="slidenum">
               <a:t>&lt;#&gt;</a:t>
             </a:fld>
           </a:p>
@@ -1279,7 +1234,7 @@
         <p:txBody>
           <a:bodyPr/>
           <a:p>
-            <a:fld id="{FADE5124-FF49-443B-9915-4A0903166D82}" type="slidenum">
+            <a:fld id="{E61A088C-EB2C-495A-8FB9-68952C11B0CA}" type="slidenum">
               <a:t>&lt;#&gt;</a:t>
             </a:fld>
           </a:p>
@@ -1335,10 +1290,10 @@
             <a:noAutofit/>
           </a:bodyPr>
           <a:p>
-            <a:endParaRPr b="0" lang="en-IN" sz="1400" spc="-1" strike="noStrike">
-              <a:solidFill>
-                <a:srgbClr val="000000"/>
-              </a:solidFill>
+            <a:pPr algn="ctr">
+              <a:buNone/>
+            </a:pPr>
+            <a:endParaRPr b="0" lang="en-IN" sz="4400" spc="-1" strike="noStrike">
               <a:latin typeface="Arial"/>
             </a:endParaRPr>
           </a:p>
@@ -1372,10 +1327,7 @@
             <a:normAutofit/>
           </a:bodyPr>
           <a:p>
-            <a:endParaRPr b="0" lang="en-IN" sz="1400" spc="-1" strike="noStrike">
-              <a:solidFill>
-                <a:srgbClr val="000000"/>
-              </a:solidFill>
+            <a:endParaRPr b="0" lang="en-IN" sz="3200" spc="-1" strike="noStrike">
               <a:latin typeface="Arial"/>
             </a:endParaRPr>
           </a:p>
@@ -1409,10 +1361,7 @@
             <a:normAutofit/>
           </a:bodyPr>
           <a:p>
-            <a:endParaRPr b="0" lang="en-IN" sz="1400" spc="-1" strike="noStrike">
-              <a:solidFill>
-                <a:srgbClr val="000000"/>
-              </a:solidFill>
+            <a:endParaRPr b="0" lang="en-IN" sz="3200" spc="-1" strike="noStrike">
               <a:latin typeface="Arial"/>
             </a:endParaRPr>
           </a:p>
@@ -1446,10 +1395,7 @@
             <a:normAutofit/>
           </a:bodyPr>
           <a:p>
-            <a:endParaRPr b="0" lang="en-IN" sz="1400" spc="-1" strike="noStrike">
-              <a:solidFill>
-                <a:srgbClr val="000000"/>
-              </a:solidFill>
+            <a:endParaRPr b="0" lang="en-IN" sz="3200" spc="-1" strike="noStrike">
               <a:latin typeface="Arial"/>
             </a:endParaRPr>
           </a:p>
@@ -1469,7 +1415,7 @@
         <p:txBody>
           <a:bodyPr/>
           <a:p>
-            <a:fld id="{B19CAA3B-B2F1-4EEE-8474-4131D993AA40}" type="slidenum">
+            <a:fld id="{F777B3B7-85D4-4FC0-8434-4F4B7040D974}" type="slidenum">
               <a:t>&lt;#&gt;</a:t>
             </a:fld>
           </a:p>
@@ -1525,10 +1471,10 @@
             <a:noAutofit/>
           </a:bodyPr>
           <a:p>
-            <a:endParaRPr b="0" lang="en-IN" sz="1400" spc="-1" strike="noStrike">
-              <a:solidFill>
-                <a:srgbClr val="000000"/>
-              </a:solidFill>
+            <a:pPr algn="ctr">
+              <a:buNone/>
+            </a:pPr>
+            <a:endParaRPr b="0" lang="en-IN" sz="4400" spc="-1" strike="noStrike">
               <a:latin typeface="Arial"/>
             </a:endParaRPr>
           </a:p>
@@ -1562,10 +1508,7 @@
             <a:normAutofit/>
           </a:bodyPr>
           <a:p>
-            <a:endParaRPr b="0" lang="en-IN" sz="1400" spc="-1" strike="noStrike">
-              <a:solidFill>
-                <a:srgbClr val="000000"/>
-              </a:solidFill>
+            <a:endParaRPr b="0" lang="en-IN" sz="3200" spc="-1" strike="noStrike">
               <a:latin typeface="Arial"/>
             </a:endParaRPr>
           </a:p>
@@ -1599,10 +1542,7 @@
             <a:normAutofit/>
           </a:bodyPr>
           <a:p>
-            <a:endParaRPr b="0" lang="en-IN" sz="1400" spc="-1" strike="noStrike">
-              <a:solidFill>
-                <a:srgbClr val="000000"/>
-              </a:solidFill>
+            <a:endParaRPr b="0" lang="en-IN" sz="3200" spc="-1" strike="noStrike">
               <a:latin typeface="Arial"/>
             </a:endParaRPr>
           </a:p>
@@ -1636,10 +1576,7 @@
             <a:normAutofit/>
           </a:bodyPr>
           <a:p>
-            <a:endParaRPr b="0" lang="en-IN" sz="1400" spc="-1" strike="noStrike">
-              <a:solidFill>
-                <a:srgbClr val="000000"/>
-              </a:solidFill>
+            <a:endParaRPr b="0" lang="en-IN" sz="3200" spc="-1" strike="noStrike">
               <a:latin typeface="Arial"/>
             </a:endParaRPr>
           </a:p>
@@ -1659,7 +1596,7 @@
         <p:txBody>
           <a:bodyPr/>
           <a:p>
-            <a:fld id="{6A4A9237-FF02-4C22-8E1F-89E7A589D419}" type="slidenum">
+            <a:fld id="{0AAEDDE3-1494-4693-A99D-E4A4F1BA62FD}" type="slidenum">
               <a:t>&lt;#&gt;</a:t>
             </a:fld>
           </a:p>
@@ -1715,10 +1652,10 @@
             <a:noAutofit/>
           </a:bodyPr>
           <a:p>
-            <a:endParaRPr b="0" lang="en-IN" sz="1400" spc="-1" strike="noStrike">
-              <a:solidFill>
-                <a:srgbClr val="000000"/>
-              </a:solidFill>
+            <a:pPr algn="ctr">
+              <a:buNone/>
+            </a:pPr>
+            <a:endParaRPr b="0" lang="en-IN" sz="4400" spc="-1" strike="noStrike">
               <a:latin typeface="Arial"/>
             </a:endParaRPr>
           </a:p>
@@ -1752,10 +1689,7 @@
             <a:normAutofit/>
           </a:bodyPr>
           <a:p>
-            <a:endParaRPr b="0" lang="en-IN" sz="1400" spc="-1" strike="noStrike">
-              <a:solidFill>
-                <a:srgbClr val="000000"/>
-              </a:solidFill>
+            <a:endParaRPr b="0" lang="en-IN" sz="3200" spc="-1" strike="noStrike">
               <a:latin typeface="Arial"/>
             </a:endParaRPr>
           </a:p>
@@ -1789,10 +1723,7 @@
             <a:normAutofit/>
           </a:bodyPr>
           <a:p>
-            <a:endParaRPr b="0" lang="en-IN" sz="1400" spc="-1" strike="noStrike">
-              <a:solidFill>
-                <a:srgbClr val="000000"/>
-              </a:solidFill>
+            <a:endParaRPr b="0" lang="en-IN" sz="3200" spc="-1" strike="noStrike">
               <a:latin typeface="Arial"/>
             </a:endParaRPr>
           </a:p>
@@ -1826,10 +1757,7 @@
             <a:normAutofit/>
           </a:bodyPr>
           <a:p>
-            <a:endParaRPr b="0" lang="en-IN" sz="1400" spc="-1" strike="noStrike">
-              <a:solidFill>
-                <a:srgbClr val="000000"/>
-              </a:solidFill>
+            <a:endParaRPr b="0" lang="en-IN" sz="3200" spc="-1" strike="noStrike">
               <a:latin typeface="Arial"/>
             </a:endParaRPr>
           </a:p>
@@ -1849,7 +1777,7 @@
         <p:txBody>
           <a:bodyPr/>
           <a:p>
-            <a:fld id="{16EB89BB-0BE6-4F9E-9F14-522FDF0DF879}" type="slidenum">
+            <a:fld id="{6D740F90-7EF4-4A18-8D02-ABAC9807AA8E}" type="slidenum">
               <a:t>&lt;#&gt;</a:t>
             </a:fld>
           </a:p>
@@ -1897,7 +1825,7 @@
         <p:spPr>
           <a:xfrm>
             <a:off x="7338240" y="3589560"/>
-            <a:ext cx="474840" cy="302760"/>
+            <a:ext cx="474480" cy="302400"/>
           </a:xfrm>
           <a:prstGeom prst="rect">
             <a:avLst/>
@@ -1909,7 +1837,7 @@
         </p:spPr>
         <p:txBody>
           <a:bodyPr lIns="76320" rIns="76320" tIns="76320" bIns="76320" anchor="ctr">
-            <a:normAutofit/>
+            <a:noAutofit/>
           </a:bodyPr>
           <a:lstStyle>
             <a:lvl1pPr algn="r">
@@ -1939,7 +1867,7 @@
                 <a:tab algn="l" pos="0"/>
               </a:tabLst>
             </a:pPr>
-            <a:fld id="{1DFE467E-DB7C-4758-8BE7-AAF712BBF9FD}" type="slidenum">
+            <a:fld id="{076DC1A0-6912-4338-82FF-B79884775A56}" type="slidenum">
               <a:rPr b="0" lang="en-IN" sz="800" spc="-1" strike="noStrike">
                 <a:solidFill>
                   <a:srgbClr val="ffffff"/>
@@ -1983,19 +1911,16 @@
             <a:noAutofit/>
           </a:bodyPr>
           <a:p>
-            <a:r>
-              <a:rPr b="0" lang="en-IN" sz="1400" spc="-1" strike="noStrike">
-                <a:solidFill>
-                  <a:srgbClr val="000000"/>
-                </a:solidFill>
+            <a:pPr algn="ctr">
+              <a:buNone/>
+            </a:pPr>
+            <a:r>
+              <a:rPr b="0" lang="en-IN" sz="4400" spc="-1" strike="noStrike">
                 <a:latin typeface="Arial"/>
               </a:rPr>
               <a:t>Click to edit the title text format</a:t>
             </a:r>
-            <a:endParaRPr b="0" lang="en-IN" sz="1400" spc="-1" strike="noStrike">
-              <a:solidFill>
-                <a:srgbClr val="000000"/>
-              </a:solidFill>
+            <a:endParaRPr b="0" lang="en-IN" sz="4400" spc="-1" strike="noStrike">
               <a:latin typeface="Arial"/>
             </a:endParaRPr>
           </a:p>
@@ -2026,7 +1951,7 @@
         </p:spPr>
         <p:txBody>
           <a:bodyPr lIns="0" rIns="0" tIns="0" bIns="0" anchor="t">
-            <a:normAutofit/>
+            <a:normAutofit fontScale="83000"/>
           </a:bodyPr>
           <a:p>
             <a:pPr marL="432000" indent="-324000">
@@ -2041,18 +1966,12 @@
               <a:buChar char=""/>
             </a:pPr>
             <a:r>
-              <a:rPr b="0" lang="en-IN" sz="1400" spc="-1" strike="noStrike">
-                <a:solidFill>
-                  <a:srgbClr val="000000"/>
-                </a:solidFill>
+              <a:rPr b="0" lang="en-IN" sz="3200" spc="-1" strike="noStrike">
                 <a:latin typeface="Arial"/>
               </a:rPr>
               <a:t>Click to edit the outline text format</a:t>
             </a:r>
-            <a:endParaRPr b="0" lang="en-IN" sz="1400" spc="-1" strike="noStrike">
-              <a:solidFill>
-                <a:srgbClr val="000000"/>
-              </a:solidFill>
+            <a:endParaRPr b="0" lang="en-IN" sz="3200" spc="-1" strike="noStrike">
               <a:latin typeface="Arial"/>
             </a:endParaRPr>
           </a:p>
@@ -2069,18 +1988,12 @@
               <a:buChar char=""/>
             </a:pPr>
             <a:r>
-              <a:rPr b="0" lang="en-IN" sz="1400" spc="-1" strike="noStrike">
-                <a:solidFill>
-                  <a:srgbClr val="000000"/>
-                </a:solidFill>
+              <a:rPr b="0" lang="en-IN" sz="2800" spc="-1" strike="noStrike">
                 <a:latin typeface="Arial"/>
               </a:rPr>
               <a:t>Second Outline Level</a:t>
             </a:r>
-            <a:endParaRPr b="0" lang="en-IN" sz="1400" spc="-1" strike="noStrike">
-              <a:solidFill>
-                <a:srgbClr val="000000"/>
-              </a:solidFill>
+            <a:endParaRPr b="0" lang="en-IN" sz="2800" spc="-1" strike="noStrike">
               <a:latin typeface="Arial"/>
             </a:endParaRPr>
           </a:p>
@@ -2097,18 +2010,12 @@
               <a:buChar char=""/>
             </a:pPr>
             <a:r>
-              <a:rPr b="0" lang="en-IN" sz="1400" spc="-1" strike="noStrike">
-                <a:solidFill>
-                  <a:srgbClr val="000000"/>
-                </a:solidFill>
+              <a:rPr b="0" lang="en-IN" sz="2400" spc="-1" strike="noStrike">
                 <a:latin typeface="Arial"/>
               </a:rPr>
               <a:t>Third Outline Level</a:t>
             </a:r>
-            <a:endParaRPr b="0" lang="en-IN" sz="1400" spc="-1" strike="noStrike">
-              <a:solidFill>
-                <a:srgbClr val="000000"/>
-              </a:solidFill>
+            <a:endParaRPr b="0" lang="en-IN" sz="2400" spc="-1" strike="noStrike">
               <a:latin typeface="Arial"/>
             </a:endParaRPr>
           </a:p>
@@ -2125,18 +2032,12 @@
               <a:buChar char=""/>
             </a:pPr>
             <a:r>
-              <a:rPr b="0" lang="en-IN" sz="1400" spc="-1" strike="noStrike">
-                <a:solidFill>
-                  <a:srgbClr val="000000"/>
-                </a:solidFill>
+              <a:rPr b="0" lang="en-IN" sz="2000" spc="-1" strike="noStrike">
                 <a:latin typeface="Arial"/>
               </a:rPr>
               <a:t>Fourth Outline Level</a:t>
             </a:r>
-            <a:endParaRPr b="0" lang="en-IN" sz="1400" spc="-1" strike="noStrike">
-              <a:solidFill>
-                <a:srgbClr val="000000"/>
-              </a:solidFill>
+            <a:endParaRPr b="0" lang="en-IN" sz="2000" spc="-1" strike="noStrike">
               <a:latin typeface="Arial"/>
             </a:endParaRPr>
           </a:p>
@@ -2154,17 +2055,11 @@
             </a:pPr>
             <a:r>
               <a:rPr b="0" lang="en-IN" sz="2000" spc="-1" strike="noStrike">
-                <a:solidFill>
-                  <a:srgbClr val="000000"/>
-                </a:solidFill>
                 <a:latin typeface="Arial"/>
               </a:rPr>
               <a:t>Fifth Outline Level</a:t>
             </a:r>
             <a:endParaRPr b="0" lang="en-IN" sz="2000" spc="-1" strike="noStrike">
-              <a:solidFill>
-                <a:srgbClr val="000000"/>
-              </a:solidFill>
               <a:latin typeface="Arial"/>
             </a:endParaRPr>
           </a:p>
@@ -2182,17 +2077,11 @@
             </a:pPr>
             <a:r>
               <a:rPr b="0" lang="en-IN" sz="2000" spc="-1" strike="noStrike">
-                <a:solidFill>
-                  <a:srgbClr val="000000"/>
-                </a:solidFill>
                 <a:latin typeface="Arial"/>
               </a:rPr>
               <a:t>Sixth Outline Level</a:t>
             </a:r>
             <a:endParaRPr b="0" lang="en-IN" sz="2000" spc="-1" strike="noStrike">
-              <a:solidFill>
-                <a:srgbClr val="000000"/>
-              </a:solidFill>
               <a:latin typeface="Arial"/>
             </a:endParaRPr>
           </a:p>
@@ -2210,17 +2099,11 @@
             </a:pPr>
             <a:r>
               <a:rPr b="0" lang="en-IN" sz="2000" spc="-1" strike="noStrike">
-                <a:solidFill>
-                  <a:srgbClr val="000000"/>
-                </a:solidFill>
                 <a:latin typeface="Arial"/>
               </a:rPr>
               <a:t>Seventh Outline Level</a:t>
             </a:r>
             <a:endParaRPr b="0" lang="en-IN" sz="2000" spc="-1" strike="noStrike">
-              <a:solidFill>
-                <a:srgbClr val="000000"/>
-              </a:solidFill>
               <a:latin typeface="Arial"/>
             </a:endParaRPr>
           </a:p>
@@ -2291,7 +2174,7 @@
         <p:spPr>
           <a:xfrm>
             <a:off x="1080" y="1206720"/>
-            <a:ext cx="7919280" cy="461160"/>
+            <a:ext cx="7918920" cy="460800"/>
           </a:xfrm>
           <a:prstGeom prst="rect">
             <a:avLst/>
@@ -2330,9 +2213,6 @@
               <a:t>Store Sales time series forecasting</a:t>
             </a:r>
             <a:endParaRPr b="0" lang="en-IN" sz="3200" spc="-1" strike="noStrike">
-              <a:solidFill>
-                <a:srgbClr val="000000"/>
-              </a:solidFill>
               <a:latin typeface="Arial"/>
             </a:endParaRPr>
           </a:p>
@@ -2351,7 +2231,7 @@
         <p:spPr>
           <a:xfrm>
             <a:off x="7338240" y="3589560"/>
-            <a:ext cx="474840" cy="302760"/>
+            <a:ext cx="474480" cy="302400"/>
           </a:xfrm>
           <a:prstGeom prst="rect">
             <a:avLst/>
@@ -2393,7 +2273,7 @@
                 <a:tab algn="l" pos="0"/>
               </a:tabLst>
             </a:pPr>
-            <a:fld id="{5B9C401D-E03A-4320-91C3-5BF94474D821}" type="slidenum">
+            <a:fld id="{80F895E3-BDD4-4232-8023-6B293116FFA9}" type="slidenum">
               <a:rPr b="0" lang="en-IN" sz="800" spc="-1" strike="noStrike">
                 <a:solidFill>
                   <a:srgbClr val="ffffff"/>
@@ -2418,7 +2298,7 @@
         <p:spPr>
           <a:xfrm>
             <a:off x="3771360" y="1801080"/>
-            <a:ext cx="10800" cy="1026720"/>
+            <a:ext cx="10440" cy="1026360"/>
           </a:xfrm>
           <a:custGeom>
             <a:avLst/>
@@ -2460,7 +2340,7 @@
         <p:spPr>
           <a:xfrm>
             <a:off x="2162160" y="720000"/>
-            <a:ext cx="3239640" cy="355320"/>
+            <a:ext cx="3239280" cy="354960"/>
           </a:xfrm>
           <a:prstGeom prst="rect">
             <a:avLst/>
@@ -2513,7 +2393,7 @@
         <p:spPr>
           <a:xfrm>
             <a:off x="739440" y="1923120"/>
-            <a:ext cx="2845080" cy="576360"/>
+            <a:ext cx="2844720" cy="576000"/>
           </a:xfrm>
           <a:prstGeom prst="rect">
             <a:avLst/>
@@ -2614,7 +2494,7 @@
         <p:spPr>
           <a:xfrm>
             <a:off x="3927600" y="1867680"/>
-            <a:ext cx="3773520" cy="879120"/>
+            <a:ext cx="3773160" cy="878760"/>
           </a:xfrm>
           <a:prstGeom prst="rect">
             <a:avLst/>
@@ -2828,7 +2708,7 @@
         <p:spPr>
           <a:xfrm>
             <a:off x="360" y="200160"/>
-            <a:ext cx="7919280" cy="699480"/>
+            <a:ext cx="7918920" cy="699120"/>
           </a:xfrm>
           <a:prstGeom prst="rect">
             <a:avLst/>
@@ -2887,7 +2767,7 @@
         <p:spPr>
           <a:xfrm>
             <a:off x="-3240" y="720000"/>
-            <a:ext cx="7919640" cy="3130560"/>
+            <a:ext cx="7919640" cy="3194280"/>
           </a:xfrm>
           <a:prstGeom prst="rect">
             <a:avLst/>
@@ -2936,7 +2816,7 @@
         <p:spPr>
           <a:xfrm>
             <a:off x="360" y="200160"/>
-            <a:ext cx="7919280" cy="699480"/>
+            <a:ext cx="7918920" cy="699120"/>
           </a:xfrm>
           <a:prstGeom prst="rect">
             <a:avLst/>
@@ -2995,7 +2875,7 @@
         <p:spPr>
           <a:xfrm>
             <a:off x="0" y="899640"/>
-            <a:ext cx="7920000" cy="3057840"/>
+            <a:ext cx="7919640" cy="3057480"/>
           </a:xfrm>
           <a:prstGeom prst="rect">
             <a:avLst/>
@@ -3044,7 +2924,7 @@
         <p:spPr>
           <a:xfrm>
             <a:off x="360" y="200160"/>
-            <a:ext cx="7919280" cy="699480"/>
+            <a:ext cx="7918920" cy="699120"/>
           </a:xfrm>
           <a:prstGeom prst="rect">
             <a:avLst/>
@@ -3102,8 +2982,8 @@
         </p:blipFill>
         <p:spPr>
           <a:xfrm rot="21583800">
-            <a:off x="1807200" y="753840"/>
-            <a:ext cx="4500000" cy="3151080"/>
+            <a:off x="1806840" y="753840"/>
+            <a:ext cx="4499640" cy="3150720"/>
           </a:xfrm>
           <a:prstGeom prst="rect">
             <a:avLst/>
@@ -3152,7 +3032,7 @@
         <p:spPr>
           <a:xfrm>
             <a:off x="360" y="200160"/>
-            <a:ext cx="7919280" cy="699480"/>
+            <a:ext cx="7918920" cy="699120"/>
           </a:xfrm>
           <a:prstGeom prst="rect">
             <a:avLst/>
@@ -3207,7 +3087,7 @@
         <p:spPr>
           <a:xfrm>
             <a:off x="515160" y="968760"/>
-            <a:ext cx="6682320" cy="1071720"/>
+            <a:ext cx="6681960" cy="1071720"/>
           </a:xfrm>
           <a:prstGeom prst="rect">
             <a:avLst/>
@@ -3292,7 +3172,7 @@
         <p:spPr>
           <a:xfrm>
             <a:off x="3240" y="2365200"/>
-            <a:ext cx="7919280" cy="699480"/>
+            <a:ext cx="7918920" cy="699120"/>
           </a:xfrm>
           <a:prstGeom prst="rect">
             <a:avLst/>
@@ -3396,7 +3276,7 @@
         <p:spPr>
           <a:xfrm>
             <a:off x="720" y="1181520"/>
-            <a:ext cx="7919640" cy="460800"/>
+            <a:ext cx="7919280" cy="460440"/>
           </a:xfrm>
           <a:prstGeom prst="rect">
             <a:avLst/>
@@ -3438,9 +3318,6 @@
               <a:t>Project Statement</a:t>
             </a:r>
             <a:endParaRPr b="0" lang="en-IN" sz="4000" spc="-1" strike="noStrike">
-              <a:solidFill>
-                <a:srgbClr val="000000"/>
-              </a:solidFill>
               <a:latin typeface="Arial"/>
             </a:endParaRPr>
           </a:p>
@@ -3459,7 +3336,7 @@
         <p:spPr>
           <a:xfrm>
             <a:off x="7338240" y="3589560"/>
-            <a:ext cx="474840" cy="302760"/>
+            <a:ext cx="474480" cy="302400"/>
           </a:xfrm>
           <a:prstGeom prst="rect">
             <a:avLst/>
@@ -3501,7 +3378,7 @@
                 <a:tab algn="l" pos="0"/>
               </a:tabLst>
             </a:pPr>
-            <a:fld id="{37E41278-19CB-4E22-9749-08427CA31DB8}" type="slidenum">
+            <a:fld id="{6F9160F9-5B07-48DE-B078-65413C28F5DA}" type="slidenum">
               <a:rPr b="0" lang="en-IN" sz="800" spc="-1" strike="noStrike">
                 <a:solidFill>
                   <a:srgbClr val="ffffff"/>
@@ -3526,7 +3403,7 @@
         <p:spPr>
           <a:xfrm>
             <a:off x="1075320" y="1758960"/>
-            <a:ext cx="6187680" cy="912960"/>
+            <a:ext cx="6187320" cy="912600"/>
           </a:xfrm>
           <a:prstGeom prst="rect">
             <a:avLst/>
@@ -3648,7 +3525,7 @@
         <p:spPr>
           <a:xfrm>
             <a:off x="7338240" y="3589560"/>
-            <a:ext cx="474840" cy="302760"/>
+            <a:ext cx="474480" cy="302400"/>
           </a:xfrm>
           <a:prstGeom prst="rect">
             <a:avLst/>
@@ -3690,7 +3567,7 @@
                 <a:tab algn="l" pos="0"/>
               </a:tabLst>
             </a:pPr>
-            <a:fld id="{AEC1F48C-A054-47A3-B620-84489F9B1EF1}" type="slidenum">
+            <a:fld id="{39FF29C4-2153-494F-8F31-10CE29DC0DAD}" type="slidenum">
               <a:rPr b="0" lang="en-IN" sz="800" spc="-1" strike="noStrike">
                 <a:solidFill>
                   <a:srgbClr val="ffffff"/>
@@ -3715,7 +3592,7 @@
         <p:spPr>
           <a:xfrm>
             <a:off x="360" y="1374480"/>
-            <a:ext cx="7919280" cy="236160"/>
+            <a:ext cx="7918920" cy="235800"/>
           </a:xfrm>
           <a:prstGeom prst="rect">
             <a:avLst/>
@@ -3741,7 +3618,7 @@
         <p:spPr>
           <a:xfrm>
             <a:off x="414000" y="824040"/>
-            <a:ext cx="7159680" cy="2844000"/>
+            <a:ext cx="7159320" cy="2843640"/>
           </a:xfrm>
           <a:prstGeom prst="rect">
             <a:avLst/>
@@ -3818,7 +3695,7 @@
         <p:spPr>
           <a:xfrm>
             <a:off x="360" y="200160"/>
-            <a:ext cx="7919280" cy="699480"/>
+            <a:ext cx="7918920" cy="699120"/>
           </a:xfrm>
           <a:prstGeom prst="rect">
             <a:avLst/>
@@ -3903,7 +3780,7 @@
         <p:spPr>
           <a:xfrm>
             <a:off x="360" y="200160"/>
-            <a:ext cx="7919280" cy="699480"/>
+            <a:ext cx="7918920" cy="699120"/>
           </a:xfrm>
           <a:prstGeom prst="rect">
             <a:avLst/>
@@ -3958,7 +3835,7 @@
         <p:spPr>
           <a:xfrm>
             <a:off x="609480" y="1075320"/>
-            <a:ext cx="6682320" cy="2268360"/>
+            <a:ext cx="6681960" cy="2268000"/>
           </a:xfrm>
           <a:prstGeom prst="rect">
             <a:avLst/>
@@ -4172,7 +4049,7 @@
         <p:spPr>
           <a:xfrm>
             <a:off x="360" y="200160"/>
-            <a:ext cx="7919280" cy="699480"/>
+            <a:ext cx="7918920" cy="699120"/>
           </a:xfrm>
           <a:prstGeom prst="rect">
             <a:avLst/>
@@ -4236,13 +4113,13 @@
         </p:nvPicPr>
         <p:blipFill>
           <a:blip r:embed="rId1"/>
-          <a:srcRect l="33272" t="27545" r="43965" b="26586"/>
+          <a:srcRect l="33268" t="27542" r="43961" b="26583"/>
           <a:stretch/>
         </p:blipFill>
         <p:spPr>
           <a:xfrm>
             <a:off x="833760" y="1179000"/>
-            <a:ext cx="2328840" cy="2300040"/>
+            <a:ext cx="2328480" cy="2299680"/>
           </a:xfrm>
           <a:prstGeom prst="rect">
             <a:avLst/>
@@ -4261,7 +4138,7 @@
         <p:spPr>
           <a:xfrm>
             <a:off x="3531240" y="954720"/>
-            <a:ext cx="4226760" cy="2861640"/>
+            <a:ext cx="4226400" cy="2861640"/>
           </a:xfrm>
           <a:prstGeom prst="rect">
             <a:avLst/>
@@ -4343,7 +4220,7 @@
         <p:spPr>
           <a:xfrm>
             <a:off x="360" y="200160"/>
-            <a:ext cx="7919280" cy="699480"/>
+            <a:ext cx="7918920" cy="699120"/>
           </a:xfrm>
           <a:prstGeom prst="rect">
             <a:avLst/>
@@ -4413,7 +4290,7 @@
         <p:spPr>
           <a:xfrm>
             <a:off x="164520" y="1336320"/>
-            <a:ext cx="3262680" cy="1550160"/>
+            <a:ext cx="3262320" cy="1549800"/>
           </a:xfrm>
           <a:prstGeom prst="rect">
             <a:avLst/>
@@ -4432,7 +4309,7 @@
         <p:spPr>
           <a:xfrm>
             <a:off x="3548160" y="1018080"/>
-            <a:ext cx="4151880" cy="2279880"/>
+            <a:ext cx="4151520" cy="2279880"/>
           </a:xfrm>
           <a:prstGeom prst="rect">
             <a:avLst/>
@@ -4514,7 +4391,7 @@
         <p:spPr>
           <a:xfrm>
             <a:off x="360" y="200160"/>
-            <a:ext cx="7919280" cy="699480"/>
+            <a:ext cx="7918920" cy="699120"/>
           </a:xfrm>
           <a:prstGeom prst="rect">
             <a:avLst/>
@@ -4578,13 +4455,13 @@
         </p:nvPicPr>
         <p:blipFill>
           <a:blip r:embed="rId1"/>
-          <a:srcRect l="0" t="-521" r="58249" b="0"/>
+          <a:srcRect l="0" t="-521" r="58243" b="0"/>
           <a:stretch/>
         </p:blipFill>
         <p:spPr>
           <a:xfrm>
             <a:off x="267840" y="1080000"/>
-            <a:ext cx="3547800" cy="2519640"/>
+            <a:ext cx="3547440" cy="2519280"/>
           </a:xfrm>
           <a:prstGeom prst="rect">
             <a:avLst/>
@@ -4603,7 +4480,7 @@
         <p:spPr>
           <a:xfrm>
             <a:off x="4014000" y="1104120"/>
-            <a:ext cx="3743640" cy="2462400"/>
+            <a:ext cx="3743280" cy="2462400"/>
           </a:xfrm>
           <a:prstGeom prst="rect">
             <a:avLst/>
@@ -4685,7 +4562,7 @@
         <p:spPr>
           <a:xfrm>
             <a:off x="360" y="200160"/>
-            <a:ext cx="7919280" cy="699480"/>
+            <a:ext cx="7918920" cy="699120"/>
           </a:xfrm>
           <a:prstGeom prst="rect">
             <a:avLst/>
@@ -4754,7 +4631,7 @@
         <p:spPr>
           <a:xfrm>
             <a:off x="287640" y="1138680"/>
-            <a:ext cx="3329280" cy="2401560"/>
+            <a:ext cx="3328920" cy="2401200"/>
           </a:xfrm>
           <a:prstGeom prst="rect">
             <a:avLst/>
@@ -4773,7 +4650,7 @@
         <p:spPr>
           <a:xfrm>
             <a:off x="3960000" y="1500840"/>
-            <a:ext cx="3607920" cy="1871640"/>
+            <a:ext cx="3607560" cy="1871640"/>
           </a:xfrm>
           <a:prstGeom prst="rect">
             <a:avLst/>
@@ -4870,7 +4747,7 @@
         <p:spPr>
           <a:xfrm>
             <a:off x="360" y="200160"/>
-            <a:ext cx="7919280" cy="699480"/>
+            <a:ext cx="7918920" cy="699120"/>
           </a:xfrm>
           <a:prstGeom prst="rect">
             <a:avLst/>

--- a/ppts/Sales_Forecasting_Design_B4.pptx
+++ b/ppts/Sales_Forecasting_Design_B4.pptx
@@ -17,7 +17,6 @@
     <p:sldId id="265" r:id="rId12"/>
     <p:sldId id="266" r:id="rId13"/>
     <p:sldId id="267" r:id="rId14"/>
-    <p:sldId id="268" r:id="rId15"/>
   </p:sldIdLst>
   <p:sldSz cx="7920038" cy="3959225"/>
   <p:notesSz cx="7559675" cy="10691813"/>
@@ -55,7 +54,7 @@
         <p:txBody>
           <a:bodyPr/>
           <a:p>
-            <a:fld id="{D239A0FA-EA1D-4D1B-89CC-BF332F3E360D}" type="slidenum">
+            <a:fld id="{2AF5F655-DC7C-4F11-B006-BAA337AE25F3}" type="slidenum">
               <a:t>&lt;#&gt;</a:t>
             </a:fld>
           </a:p>
@@ -202,7 +201,7 @@
         <p:txBody>
           <a:bodyPr/>
           <a:p>
-            <a:fld id="{90FE3192-5330-46A0-8AE4-C5DEAD6AA4D1}" type="slidenum">
+            <a:fld id="{0E92F039-D968-4FD5-B7C6-F6688421EAC5}" type="slidenum">
               <a:t>&lt;#&gt;</a:t>
             </a:fld>
           </a:p>
@@ -417,7 +416,7 @@
         <p:txBody>
           <a:bodyPr/>
           <a:p>
-            <a:fld id="{E10E37FB-2778-4BC7-8BB1-09D9D058B495}" type="slidenum">
+            <a:fld id="{206C57F8-FFEC-467E-813C-39AF05E1F10C}" type="slidenum">
               <a:t>&lt;#&gt;</a:t>
             </a:fld>
           </a:p>
@@ -700,7 +699,7 @@
         <p:txBody>
           <a:bodyPr/>
           <a:p>
-            <a:fld id="{C16530B2-9E51-4AB8-8CAA-43B64F4470F0}" type="slidenum">
+            <a:fld id="{B5483D3F-CE83-429F-9694-577687B35C1E}" type="slidenum">
               <a:t>&lt;#&gt;</a:t>
             </a:fld>
           </a:p>
@@ -816,7 +815,7 @@
         <p:txBody>
           <a:bodyPr/>
           <a:p>
-            <a:fld id="{8F50C1A5-2426-4201-9653-23B710DDAFFA}" type="slidenum">
+            <a:fld id="{FFBFC8A4-6DD7-4643-83D6-75FC72C0E6FB}" type="slidenum">
               <a:t>&lt;#&gt;</a:t>
             </a:fld>
           </a:p>
@@ -929,7 +928,7 @@
         <p:txBody>
           <a:bodyPr/>
           <a:p>
-            <a:fld id="{8826FF80-9628-44FA-BB4F-C5DF4D40BBD0}" type="slidenum">
+            <a:fld id="{5A3F472F-AA4E-485D-A892-70B2F9D99C16}" type="slidenum">
               <a:t>&lt;#&gt;</a:t>
             </a:fld>
           </a:p>
@@ -1076,7 +1075,7 @@
         <p:txBody>
           <a:bodyPr/>
           <a:p>
-            <a:fld id="{3C32C983-5ED0-4CA0-A305-294FCDF634A3}" type="slidenum">
+            <a:fld id="{632FDFEC-594D-4E7B-9108-24F5485011DF}" type="slidenum">
               <a:t>&lt;#&gt;</a:t>
             </a:fld>
           </a:p>
@@ -1155,7 +1154,7 @@
         <p:txBody>
           <a:bodyPr/>
           <a:p>
-            <a:fld id="{5B885B70-54CF-417F-AF5D-73CB83D6F6D3}" type="slidenum">
+            <a:fld id="{B951E632-5C78-4851-A790-805070E41F9C}" type="slidenum">
               <a:t>&lt;#&gt;</a:t>
             </a:fld>
           </a:p>
@@ -1234,7 +1233,7 @@
         <p:txBody>
           <a:bodyPr/>
           <a:p>
-            <a:fld id="{E61A088C-EB2C-495A-8FB9-68952C11B0CA}" type="slidenum">
+            <a:fld id="{7B34E981-25C7-4B56-9DD8-F99423E57302}" type="slidenum">
               <a:t>&lt;#&gt;</a:t>
             </a:fld>
           </a:p>
@@ -1415,7 +1414,7 @@
         <p:txBody>
           <a:bodyPr/>
           <a:p>
-            <a:fld id="{F777B3B7-85D4-4FC0-8434-4F4B7040D974}" type="slidenum">
+            <a:fld id="{9E0095BD-F4C5-40D8-8A10-82612714810A}" type="slidenum">
               <a:t>&lt;#&gt;</a:t>
             </a:fld>
           </a:p>
@@ -1596,7 +1595,7 @@
         <p:txBody>
           <a:bodyPr/>
           <a:p>
-            <a:fld id="{0AAEDDE3-1494-4693-A99D-E4A4F1BA62FD}" type="slidenum">
+            <a:fld id="{098955D8-7D72-4564-94B3-ECB422CF4487}" type="slidenum">
               <a:t>&lt;#&gt;</a:t>
             </a:fld>
           </a:p>
@@ -1777,7 +1776,7 @@
         <p:txBody>
           <a:bodyPr/>
           <a:p>
-            <a:fld id="{6D740F90-7EF4-4A18-8D02-ABAC9807AA8E}" type="slidenum">
+            <a:fld id="{87B2F662-E1F4-41BD-BD56-794CEEC8A0DE}" type="slidenum">
               <a:t>&lt;#&gt;</a:t>
             </a:fld>
           </a:p>
@@ -1825,7 +1824,7 @@
         <p:spPr>
           <a:xfrm>
             <a:off x="7338240" y="3589560"/>
-            <a:ext cx="474480" cy="302400"/>
+            <a:ext cx="474120" cy="302040"/>
           </a:xfrm>
           <a:prstGeom prst="rect">
             <a:avLst/>
@@ -1867,7 +1866,7 @@
                 <a:tab algn="l" pos="0"/>
               </a:tabLst>
             </a:pPr>
-            <a:fld id="{076DC1A0-6912-4338-82FF-B79884775A56}" type="slidenum">
+            <a:fld id="{7D35B23A-D50B-4454-A97F-14A8B8E78434}" type="slidenum">
               <a:rPr b="0" lang="en-IN" sz="800" spc="-1" strike="noStrike">
                 <a:solidFill>
                   <a:srgbClr val="ffffff"/>
@@ -2174,7 +2173,7 @@
         <p:spPr>
           <a:xfrm>
             <a:off x="1080" y="1206720"/>
-            <a:ext cx="7918920" cy="460800"/>
+            <a:ext cx="7918560" cy="460440"/>
           </a:xfrm>
           <a:prstGeom prst="rect">
             <a:avLst/>
@@ -2231,7 +2230,7 @@
         <p:spPr>
           <a:xfrm>
             <a:off x="7338240" y="3589560"/>
-            <a:ext cx="474480" cy="302400"/>
+            <a:ext cx="474120" cy="302040"/>
           </a:xfrm>
           <a:prstGeom prst="rect">
             <a:avLst/>
@@ -2273,7 +2272,7 @@
                 <a:tab algn="l" pos="0"/>
               </a:tabLst>
             </a:pPr>
-            <a:fld id="{80F895E3-BDD4-4232-8023-6B293116FFA9}" type="slidenum">
+            <a:fld id="{7151DBED-7457-4C3F-B7E4-BF44B46017FF}" type="slidenum">
               <a:rPr b="0" lang="en-IN" sz="800" spc="-1" strike="noStrike">
                 <a:solidFill>
                   <a:srgbClr val="ffffff"/>
@@ -2298,7 +2297,7 @@
         <p:spPr>
           <a:xfrm>
             <a:off x="3771360" y="1801080"/>
-            <a:ext cx="10440" cy="1026360"/>
+            <a:ext cx="10080" cy="1026000"/>
           </a:xfrm>
           <a:custGeom>
             <a:avLst/>
@@ -2340,7 +2339,7 @@
         <p:spPr>
           <a:xfrm>
             <a:off x="2162160" y="720000"/>
-            <a:ext cx="3239280" cy="354960"/>
+            <a:ext cx="3238920" cy="354600"/>
           </a:xfrm>
           <a:prstGeom prst="rect">
             <a:avLst/>
@@ -2393,7 +2392,7 @@
         <p:spPr>
           <a:xfrm>
             <a:off x="739440" y="1923120"/>
-            <a:ext cx="2844720" cy="576000"/>
+            <a:ext cx="2844360" cy="575640"/>
           </a:xfrm>
           <a:prstGeom prst="rect">
             <a:avLst/>
@@ -2494,7 +2493,7 @@
         <p:spPr>
           <a:xfrm>
             <a:off x="3927600" y="1867680"/>
-            <a:ext cx="3773160" cy="878760"/>
+            <a:ext cx="3772800" cy="878400"/>
           </a:xfrm>
           <a:prstGeom prst="rect">
             <a:avLst/>
@@ -2701,14 +2700,14 @@
       </p:grpSpPr>
       <p:sp>
         <p:nvSpPr>
-          <p:cNvPr id="68" name="Google Shape;174;p19"/>
+          <p:cNvPr id="67" name="Google Shape;174;p19"/>
           <p:cNvSpPr/>
           <p:nvPr/>
         </p:nvSpPr>
         <p:spPr>
           <a:xfrm>
             <a:off x="360" y="200160"/>
-            <a:ext cx="7918920" cy="699120"/>
+            <a:ext cx="7918560" cy="698760"/>
           </a:xfrm>
           <a:prstGeom prst="rect">
             <a:avLst/>
@@ -2746,7 +2745,7 @@
                 <a:latin typeface="Ubuntu"/>
                 <a:ea typeface="Ubuntu"/>
               </a:rPr>
-              <a:t>Class diagram</a:t>
+              <a:t>Activity diagram</a:t>
             </a:r>
             <a:endParaRPr b="0" lang="en-IN" sz="2400" spc="-1" strike="noStrike">
               <a:latin typeface="Arial"/>
@@ -2756,7 +2755,7 @@
       </p:sp>
       <p:pic>
         <p:nvPicPr>
-          <p:cNvPr id="69" name="" descr=""/>
+          <p:cNvPr id="68" name="" descr=""/>
           <p:cNvPicPr/>
           <p:nvPr/>
         </p:nvPicPr>
@@ -2766,8 +2765,8 @@
         </p:blipFill>
         <p:spPr>
           <a:xfrm>
-            <a:off x="-3240" y="720000"/>
-            <a:ext cx="7919640" cy="3194280"/>
+            <a:off x="1440000" y="720000"/>
+            <a:ext cx="5040000" cy="3240000"/>
           </a:xfrm>
           <a:prstGeom prst="rect">
             <a:avLst/>
@@ -2809,14 +2808,14 @@
       </p:grpSpPr>
       <p:sp>
         <p:nvSpPr>
-          <p:cNvPr id="70" name="Google Shape;174;p19"/>
+          <p:cNvPr id="69" name="Google Shape;174;p19"/>
           <p:cNvSpPr/>
           <p:nvPr/>
         </p:nvSpPr>
         <p:spPr>
           <a:xfrm>
             <a:off x="360" y="200160"/>
-            <a:ext cx="7918920" cy="699120"/>
+            <a:ext cx="7918560" cy="698760"/>
           </a:xfrm>
           <a:prstGeom prst="rect">
             <a:avLst/>
@@ -2854,7 +2853,7 @@
                 <a:latin typeface="Ubuntu"/>
                 <a:ea typeface="Ubuntu"/>
               </a:rPr>
-              <a:t>Activity diagram</a:t>
+              <a:t>Sequence diagram</a:t>
             </a:r>
             <a:endParaRPr b="0" lang="en-IN" sz="2400" spc="-1" strike="noStrike">
               <a:latin typeface="Arial"/>
@@ -2864,7 +2863,7 @@
       </p:sp>
       <p:pic>
         <p:nvPicPr>
-          <p:cNvPr id="71" name="" descr=""/>
+          <p:cNvPr id="70" name="" descr=""/>
           <p:cNvPicPr/>
           <p:nvPr/>
         </p:nvPicPr>
@@ -2874,8 +2873,8 @@
         </p:blipFill>
         <p:spPr>
           <a:xfrm>
-            <a:off x="0" y="899640"/>
-            <a:ext cx="7919640" cy="3057480"/>
+            <a:off x="1260000" y="720000"/>
+            <a:ext cx="5040000" cy="3240000"/>
           </a:xfrm>
           <a:prstGeom prst="rect">
             <a:avLst/>
@@ -2917,14 +2916,14 @@
       </p:grpSpPr>
       <p:sp>
         <p:nvSpPr>
-          <p:cNvPr id="72" name="Google Shape;174;p19"/>
+          <p:cNvPr id="71" name="Google Shape;174;p19"/>
           <p:cNvSpPr/>
           <p:nvPr/>
         </p:nvSpPr>
         <p:spPr>
           <a:xfrm>
             <a:off x="360" y="200160"/>
-            <a:ext cx="7918920" cy="699120"/>
+            <a:ext cx="7918560" cy="698760"/>
           </a:xfrm>
           <a:prstGeom prst="rect">
             <a:avLst/>
@@ -2962,114 +2961,6 @@
                 <a:latin typeface="Ubuntu"/>
                 <a:ea typeface="Ubuntu"/>
               </a:rPr>
-              <a:t>Sequence diagram</a:t>
-            </a:r>
-            <a:endParaRPr b="0" lang="en-IN" sz="2400" spc="-1" strike="noStrike">
-              <a:latin typeface="Arial"/>
-            </a:endParaRPr>
-          </a:p>
-        </p:txBody>
-      </p:sp>
-      <p:pic>
-        <p:nvPicPr>
-          <p:cNvPr id="73" name="" descr=""/>
-          <p:cNvPicPr/>
-          <p:nvPr/>
-        </p:nvPicPr>
-        <p:blipFill>
-          <a:blip r:embed="rId1"/>
-          <a:stretch/>
-        </p:blipFill>
-        <p:spPr>
-          <a:xfrm rot="21583800">
-            <a:off x="1806840" y="753840"/>
-            <a:ext cx="4499640" cy="3150720"/>
-          </a:xfrm>
-          <a:prstGeom prst="rect">
-            <a:avLst/>
-          </a:prstGeom>
-          <a:ln w="0">
-            <a:noFill/>
-          </a:ln>
-        </p:spPr>
-      </p:pic>
-    </p:spTree>
-  </p:cSld>
-  <mc:AlternateContent>
-    <mc:Choice Requires="p14">
-      <p:transition spd="slow" p14:dur="2000"/>
-    </mc:Choice>
-    <mc:Fallback>
-      <p:transition spd="slow"/>
-    </mc:Fallback>
-  </mc:AlternateContent>
-</p:sld>
-</file>
-
-<file path=ppt/slides/slide13.xml><?xml version="1.0" encoding="utf-8"?>
-<p:sld xmlns:a="http://schemas.openxmlformats.org/drawingml/2006/main" xmlns:p="http://schemas.openxmlformats.org/presentationml/2006/main" xmlns:r="http://schemas.openxmlformats.org/officeDocument/2006/relationships" xmlns:p14="http://schemas.microsoft.com/office/powerpoint/2010/main" xmlns:p15="http://schemas.microsoft.com/office/powerpoint/2012/main" xmlns:mc="http://schemas.openxmlformats.org/markup-compatibility/2006">
-  <p:cSld>
-    <p:spTree>
-      <p:nvGrpSpPr>
-        <p:cNvPr id="1" name=""/>
-        <p:cNvGrpSpPr/>
-        <p:nvPr/>
-      </p:nvGrpSpPr>
-      <p:grpSpPr>
-        <a:xfrm>
-          <a:off x="0" y="0"/>
-          <a:ext cx="0" cy="0"/>
-          <a:chOff x="0" y="0"/>
-          <a:chExt cx="0" cy="0"/>
-        </a:xfrm>
-      </p:grpSpPr>
-      <p:sp>
-        <p:nvSpPr>
-          <p:cNvPr id="74" name="Google Shape;174;p19"/>
-          <p:cNvSpPr/>
-          <p:nvPr/>
-        </p:nvSpPr>
-        <p:spPr>
-          <a:xfrm>
-            <a:off x="360" y="200160"/>
-            <a:ext cx="7918920" cy="699120"/>
-          </a:xfrm>
-          <a:prstGeom prst="rect">
-            <a:avLst/>
-          </a:prstGeom>
-          <a:noFill/>
-          <a:ln w="0">
-            <a:noFill/>
-          </a:ln>
-        </p:spPr>
-        <p:style>
-          <a:lnRef idx="0"/>
-          <a:fillRef idx="0"/>
-          <a:effectRef idx="0"/>
-          <a:fontRef idx="minor"/>
-        </p:style>
-        <p:txBody>
-          <a:bodyPr lIns="90000" rIns="90000" tIns="45000" bIns="45000" anchor="t">
-            <a:noAutofit/>
-          </a:bodyPr>
-          <a:p>
-            <a:pPr>
-              <a:lnSpc>
-                <a:spcPct val="100000"/>
-              </a:lnSpc>
-              <a:buNone/>
-              <a:tabLst>
-                <a:tab algn="l" pos="0"/>
-              </a:tabLst>
-            </a:pPr>
-            <a:r>
-              <a:rPr b="1" lang="en-IN" sz="2400" spc="-1" strike="noStrike">
-                <a:solidFill>
-                  <a:srgbClr val="ffff00"/>
-                </a:solidFill>
-                <a:latin typeface="Ubuntu"/>
-                <a:ea typeface="Ubuntu"/>
-              </a:rPr>
               <a:t>CONCLUSION</a:t>
             </a:r>
             <a:endParaRPr b="0" lang="en-IN" sz="2400" spc="-1" strike="noStrike">
@@ -3080,14 +2971,14 @@
       </p:sp>
       <p:sp>
         <p:nvSpPr>
-          <p:cNvPr id="75" name="TextBox 2"/>
+          <p:cNvPr id="72" name="TextBox 2"/>
           <p:cNvSpPr/>
           <p:nvPr/>
         </p:nvSpPr>
         <p:spPr>
           <a:xfrm>
             <a:off x="515160" y="968760"/>
-            <a:ext cx="6681960" cy="1071720"/>
+            <a:ext cx="6681600" cy="1071720"/>
           </a:xfrm>
           <a:prstGeom prst="rect">
             <a:avLst/>
@@ -3165,14 +3056,14 @@
       </p:sp>
       <p:sp>
         <p:nvSpPr>
-          <p:cNvPr id="76" name="Google Shape;174;p19"/>
+          <p:cNvPr id="73" name="Google Shape;174;p19"/>
           <p:cNvSpPr/>
           <p:nvPr/>
         </p:nvSpPr>
         <p:spPr>
           <a:xfrm>
             <a:off x="3240" y="2365200"/>
-            <a:ext cx="7918920" cy="699120"/>
+            <a:ext cx="7918560" cy="698760"/>
           </a:xfrm>
           <a:prstGeom prst="rect">
             <a:avLst/>
@@ -3276,7 +3167,7 @@
         <p:spPr>
           <a:xfrm>
             <a:off x="720" y="1181520"/>
-            <a:ext cx="7919280" cy="460440"/>
+            <a:ext cx="7918920" cy="460080"/>
           </a:xfrm>
           <a:prstGeom prst="rect">
             <a:avLst/>
@@ -3336,7 +3227,7 @@
         <p:spPr>
           <a:xfrm>
             <a:off x="7338240" y="3589560"/>
-            <a:ext cx="474480" cy="302400"/>
+            <a:ext cx="474120" cy="302040"/>
           </a:xfrm>
           <a:prstGeom prst="rect">
             <a:avLst/>
@@ -3378,7 +3269,7 @@
                 <a:tab algn="l" pos="0"/>
               </a:tabLst>
             </a:pPr>
-            <a:fld id="{6F9160F9-5B07-48DE-B078-65413C28F5DA}" type="slidenum">
+            <a:fld id="{1CE7D6EE-A4AC-485D-ADA5-12A7C66D4EF9}" type="slidenum">
               <a:rPr b="0" lang="en-IN" sz="800" spc="-1" strike="noStrike">
                 <a:solidFill>
                   <a:srgbClr val="ffffff"/>
@@ -3403,7 +3294,7 @@
         <p:spPr>
           <a:xfrm>
             <a:off x="1075320" y="1758960"/>
-            <a:ext cx="6187320" cy="912600"/>
+            <a:ext cx="6186960" cy="912240"/>
           </a:xfrm>
           <a:prstGeom prst="rect">
             <a:avLst/>
@@ -3525,7 +3416,7 @@
         <p:spPr>
           <a:xfrm>
             <a:off x="7338240" y="3589560"/>
-            <a:ext cx="474480" cy="302400"/>
+            <a:ext cx="474120" cy="302040"/>
           </a:xfrm>
           <a:prstGeom prst="rect">
             <a:avLst/>
@@ -3567,7 +3458,7 @@
                 <a:tab algn="l" pos="0"/>
               </a:tabLst>
             </a:pPr>
-            <a:fld id="{39FF29C4-2153-494F-8F31-10CE29DC0DAD}" type="slidenum">
+            <a:fld id="{F53668C9-397E-426A-85E1-EDE75F966171}" type="slidenum">
               <a:rPr b="0" lang="en-IN" sz="800" spc="-1" strike="noStrike">
                 <a:solidFill>
                   <a:srgbClr val="ffffff"/>
@@ -3592,7 +3483,7 @@
         <p:spPr>
           <a:xfrm>
             <a:off x="360" y="1374480"/>
-            <a:ext cx="7918920" cy="235800"/>
+            <a:ext cx="7918560" cy="235440"/>
           </a:xfrm>
           <a:prstGeom prst="rect">
             <a:avLst/>
@@ -3618,7 +3509,7 @@
         <p:spPr>
           <a:xfrm>
             <a:off x="414000" y="824040"/>
-            <a:ext cx="7159320" cy="2843640"/>
+            <a:ext cx="7158960" cy="2843280"/>
           </a:xfrm>
           <a:prstGeom prst="rect">
             <a:avLst/>
@@ -3646,16 +3537,16 @@
               <a:buNone/>
             </a:pPr>
             <a:r>
-              <a:rPr b="0" lang="en-US" sz="1300" spc="-1" strike="noStrike">
+              <a:rPr b="0" lang="en-US" sz="1100" spc="-1" strike="noStrike">
                 <a:solidFill>
                   <a:srgbClr val="d4f3fd"/>
                 </a:solidFill>
                 <a:latin typeface="Ubuntu"/>
                 <a:ea typeface="Arial"/>
               </a:rPr>
-              <a:t>Businesses forecast product demand - a common task of professional data scientists. Forecasts are especially relevant to brick-and-mortar grocery stores, which must dance delicately with how much inventory to buy. Predict a little over, and grocers are stuck with overstocked, perishable goods. Guess a little under, and popular items quickly sell out, leading to lost revenue and upset customers. More accurate forecasting, thanks to machine learning, could help ensure retailers please customers by having just enough of the right products at the right time. Current forecasting methods for retail have little data to back them up and are unlikely to be automated. The problem becomes even more complex as retailers add new locations with unique needs, new products, ever-transitioning seasonal tastes, and unpredictable product marketing. More accurate forecasting can decrease food waste related to overstocking and improve customer satisfaction. The results of this project, over time, might even ensure your local store has exactly what you need the next time you shop. The results of this project, over time, might even ensure your local store has exactly what you need the next time you shop.</a:t>
+              <a:t>The project titled ‘Store sales time series forecasting’ is based on the idea of predicting the quantity of sales of a product or services and estimating the growth or drop points of stores. There are many areas in today’s world where prediction or forecasting can be done. Forecasts are mainly essential to brick-and-mortar i.e physical grocery stores, which must invest delicately on how much inventory to buy. Grocers are stuck with overstock if they estimate a little high, and can’t use them since they might be perishable goods. Guess a little under &amp; popular frequently bought items get quickly sold out, leading to loss in revenue and result in customer dissatisfaction. Thus, an efficient and best way of forecasting has become essential requirement for the sellers in order to sustain in the competition. Manually estimating the sales is a very tedious and could lead to human errors which can lead to poor management of the business, and more importantly it is time consuming. Hence it is important for a business organization to be able to achieve this objective by employing a system for forecasting. Moreover, the efficiency may be less in few cases where automation is considered as a good candidate. Our focus is on the forecasting store sales and display the gross sales of the chosen month. With the help of Artificial Intelligence and Machine Learning techniques, our focus is to read the sales data and thereby use it for trend analysis and forecast accordingly. The results of this project, help you evaluate the economical state of the store but on future improvements it can be improved in ways to highlight most sold items and least sold items etc., which can give insights as well as direction to improve on.</a:t>
             </a:r>
-            <a:endParaRPr b="0" lang="en-IN" sz="1300" spc="-1" strike="noStrike">
+            <a:endParaRPr b="0" lang="en-IN" sz="1100" spc="-1" strike="noStrike">
               <a:latin typeface="Arial"/>
             </a:endParaRPr>
           </a:p>
@@ -3695,7 +3586,7 @@
         <p:spPr>
           <a:xfrm>
             <a:off x="360" y="200160"/>
-            <a:ext cx="7918920" cy="699120"/>
+            <a:ext cx="7918560" cy="698760"/>
           </a:xfrm>
           <a:prstGeom prst="rect">
             <a:avLst/>
@@ -3780,7 +3671,7 @@
         <p:spPr>
           <a:xfrm>
             <a:off x="360" y="200160"/>
-            <a:ext cx="7918920" cy="699120"/>
+            <a:ext cx="7918560" cy="698760"/>
           </a:xfrm>
           <a:prstGeom prst="rect">
             <a:avLst/>
@@ -3835,7 +3726,7 @@
         <p:spPr>
           <a:xfrm>
             <a:off x="609480" y="1075320"/>
-            <a:ext cx="6681960" cy="2268000"/>
+            <a:ext cx="6681600" cy="2070360"/>
           </a:xfrm>
           <a:prstGeom prst="rect">
             <a:avLst/>
@@ -3927,7 +3818,7 @@
                 <a:latin typeface="Ubuntu"/>
                 <a:ea typeface="Arial"/>
               </a:rPr>
-              <a:t>ARIMA - Hyper Parameter Tuning using the GRID &amp; RANDOM search</a:t>
+              <a:t>ARIMA - Hyper Parameter Tuning using the GRID search</a:t>
             </a:r>
             <a:endParaRPr b="0" lang="en-IN" sz="1300" spc="-1" strike="noStrike">
               <a:latin typeface="Arial"/>
@@ -3953,31 +3844,6 @@
                 <a:ea typeface="Arial"/>
               </a:rPr>
               <a:t>LSTM - Designing own sequential model using tensor flow</a:t>
-            </a:r>
-            <a:endParaRPr b="0" lang="en-IN" sz="1300" spc="-1" strike="noStrike">
-              <a:latin typeface="Arial"/>
-            </a:endParaRPr>
-          </a:p>
-          <a:p>
-            <a:pPr marL="285840" indent="-285840" algn="just">
-              <a:lnSpc>
-                <a:spcPct val="100000"/>
-              </a:lnSpc>
-              <a:buClr>
-                <a:srgbClr val="ffffff"/>
-              </a:buClr>
-              <a:buFont typeface="Arial"/>
-              <a:buChar char="•"/>
-            </a:pPr>
-            <a:r>
-              <a:rPr b="0" lang="en-US" sz="1300" spc="-1" strike="noStrike">
-                <a:solidFill>
-                  <a:srgbClr val="d4f3fd"/>
-                </a:solidFill>
-                <a:latin typeface="Ubuntu"/>
-                <a:ea typeface="Arial"/>
-              </a:rPr>
-              <a:t>ARIMA – LSTM Bagging – combining models by bagging</a:t>
             </a:r>
             <a:endParaRPr b="0" lang="en-IN" sz="1300" spc="-1" strike="noStrike">
               <a:latin typeface="Arial"/>
@@ -4049,7 +3915,7 @@
         <p:spPr>
           <a:xfrm>
             <a:off x="360" y="200160"/>
-            <a:ext cx="7918920" cy="699120"/>
+            <a:ext cx="7918560" cy="698760"/>
           </a:xfrm>
           <a:prstGeom prst="rect">
             <a:avLst/>
@@ -4113,13 +3979,13 @@
         </p:nvPicPr>
         <p:blipFill>
           <a:blip r:embed="rId1"/>
-          <a:srcRect l="33268" t="27542" r="43961" b="26583"/>
+          <a:srcRect l="33264" t="27538" r="43957" b="26579"/>
           <a:stretch/>
         </p:blipFill>
         <p:spPr>
           <a:xfrm>
             <a:off x="833760" y="1179000"/>
-            <a:ext cx="2328480" cy="2299680"/>
+            <a:ext cx="2328120" cy="2299320"/>
           </a:xfrm>
           <a:prstGeom prst="rect">
             <a:avLst/>
@@ -4138,7 +4004,7 @@
         <p:spPr>
           <a:xfrm>
             <a:off x="3531240" y="954720"/>
-            <a:ext cx="4226400" cy="2861640"/>
+            <a:ext cx="4226040" cy="2861640"/>
           </a:xfrm>
           <a:prstGeom prst="rect">
             <a:avLst/>
@@ -4220,7 +4086,7 @@
         <p:spPr>
           <a:xfrm>
             <a:off x="360" y="200160"/>
-            <a:ext cx="7918920" cy="699120"/>
+            <a:ext cx="7918560" cy="698760"/>
           </a:xfrm>
           <a:prstGeom prst="rect">
             <a:avLst/>
@@ -4290,7 +4156,7 @@
         <p:spPr>
           <a:xfrm>
             <a:off x="164520" y="1336320"/>
-            <a:ext cx="3262320" cy="1549800"/>
+            <a:ext cx="3261960" cy="1549440"/>
           </a:xfrm>
           <a:prstGeom prst="rect">
             <a:avLst/>
@@ -4309,7 +4175,7 @@
         <p:spPr>
           <a:xfrm>
             <a:off x="3548160" y="1018080"/>
-            <a:ext cx="4151520" cy="2279880"/>
+            <a:ext cx="4151160" cy="2279880"/>
           </a:xfrm>
           <a:prstGeom prst="rect">
             <a:avLst/>
@@ -4391,7 +4257,7 @@
         <p:spPr>
           <a:xfrm>
             <a:off x="360" y="200160"/>
-            <a:ext cx="7918920" cy="699120"/>
+            <a:ext cx="7918560" cy="698760"/>
           </a:xfrm>
           <a:prstGeom prst="rect">
             <a:avLst/>
@@ -4439,7 +4305,7 @@
                 <a:latin typeface="Ubuntu"/>
                 <a:ea typeface="Ubuntu"/>
               </a:rPr>
-              <a:t>ARIMA-LSTM Bagging </a:t>
+              <a:t>XGBoost</a:t>
             </a:r>
             <a:endParaRPr b="0" lang="en-IN" sz="2400" spc="-1" strike="noStrike">
               <a:latin typeface="Arial"/>
@@ -4449,19 +4315,18 @@
       </p:sp>
       <p:pic>
         <p:nvPicPr>
-          <p:cNvPr id="61" name="Picture 4" descr=""/>
+          <p:cNvPr id="61" name="Picture 2" descr="https://www.researchgate.net/publication/345327934/figure/fig3/AS:1022810793209856@1620868504478/Flow-chart-of-XGBoost.png"/>
           <p:cNvPicPr/>
           <p:nvPr/>
         </p:nvPicPr>
         <p:blipFill>
           <a:blip r:embed="rId1"/>
-          <a:srcRect l="0" t="-521" r="58243" b="0"/>
           <a:stretch/>
         </p:blipFill>
         <p:spPr>
           <a:xfrm>
-            <a:off x="267840" y="1080000"/>
-            <a:ext cx="3547440" cy="2519280"/>
+            <a:off x="287640" y="1138680"/>
+            <a:ext cx="3328560" cy="2400840"/>
           </a:xfrm>
           <a:prstGeom prst="rect">
             <a:avLst/>
@@ -4479,8 +4344,8 @@
         </p:nvSpPr>
         <p:spPr>
           <a:xfrm>
-            <a:off x="4014000" y="1104120"/>
-            <a:ext cx="3743280" cy="2462400"/>
+            <a:off x="3960000" y="1500840"/>
+            <a:ext cx="3607200" cy="1871640"/>
           </a:xfrm>
           <a:prstGeom prst="rect">
             <a:avLst/>
@@ -4508,16 +4373,16 @@
               <a:buNone/>
             </a:pPr>
             <a:r>
-              <a:rPr b="0" lang="en-US" sz="1200" spc="-1" strike="noStrike">
+              <a:rPr b="0" lang="en-US" sz="1300" spc="-1" strike="noStrike">
                 <a:solidFill>
                   <a:srgbClr val="d4f3fd"/>
                 </a:solidFill>
                 <a:latin typeface="Ubuntu"/>
                 <a:ea typeface="Arial"/>
               </a:rPr>
-              <a:t>Bagging, also known as bootstrap aggregation, is the ensemble learning method that is commonly used to reduce variance within a noisy dataset. In bagging, a random sample of data in a training set is selected with replacement—meaning that the individual data points can be chosen more than once. After several data samples are generated, these weak models are then trained independently, and depending on the type of task—regression or classification, for example—the average or majority of those predictions yield a more accurate estimate. </a:t>
+              <a:t>XGBoost, which stands for Extreme Gradient Boosting. XGBoost is a popular and efficient open-source implementation of the gradient boosted trees algorithm.. Gradient boosting is a supervised learning algorithm, which attempts to accurately predict a target variable by combining the estimates of a set of simpler, weaker models.</a:t>
             </a:r>
-            <a:endParaRPr b="0" lang="en-IN" sz="1200" spc="-1" strike="noStrike">
+            <a:endParaRPr b="0" lang="en-IN" sz="1300" spc="-1" strike="noStrike">
               <a:latin typeface="Arial"/>
             </a:endParaRPr>
           </a:p>
@@ -4537,176 +4402,6 @@
 </file>
 
 <file path=ppt/slides/slide8.xml><?xml version="1.0" encoding="utf-8"?>
-<p:sld xmlns:a="http://schemas.openxmlformats.org/drawingml/2006/main" xmlns:p="http://schemas.openxmlformats.org/presentationml/2006/main" xmlns:r="http://schemas.openxmlformats.org/officeDocument/2006/relationships" xmlns:p14="http://schemas.microsoft.com/office/powerpoint/2010/main" xmlns:p15="http://schemas.microsoft.com/office/powerpoint/2012/main" xmlns:mc="http://schemas.openxmlformats.org/markup-compatibility/2006">
-  <p:cSld>
-    <p:spTree>
-      <p:nvGrpSpPr>
-        <p:cNvPr id="1" name=""/>
-        <p:cNvGrpSpPr/>
-        <p:nvPr/>
-      </p:nvGrpSpPr>
-      <p:grpSpPr>
-        <a:xfrm>
-          <a:off x="0" y="0"/>
-          <a:ext cx="0" cy="0"/>
-          <a:chOff x="0" y="0"/>
-          <a:chExt cx="0" cy="0"/>
-        </a:xfrm>
-      </p:grpSpPr>
-      <p:sp>
-        <p:nvSpPr>
-          <p:cNvPr id="63" name="Google Shape;162;p17"/>
-          <p:cNvSpPr/>
-          <p:nvPr/>
-        </p:nvSpPr>
-        <p:spPr>
-          <a:xfrm>
-            <a:off x="360" y="200160"/>
-            <a:ext cx="7918920" cy="699120"/>
-          </a:xfrm>
-          <a:prstGeom prst="rect">
-            <a:avLst/>
-          </a:prstGeom>
-          <a:noFill/>
-          <a:ln w="0">
-            <a:noFill/>
-          </a:ln>
-        </p:spPr>
-        <p:style>
-          <a:lnRef idx="0"/>
-          <a:fillRef idx="0"/>
-          <a:effectRef idx="0"/>
-          <a:fontRef idx="minor"/>
-        </p:style>
-        <p:txBody>
-          <a:bodyPr lIns="90000" rIns="90000" tIns="45000" bIns="45000" anchor="t">
-            <a:noAutofit/>
-          </a:bodyPr>
-          <a:p>
-            <a:pPr>
-              <a:lnSpc>
-                <a:spcPct val="100000"/>
-              </a:lnSpc>
-              <a:buNone/>
-              <a:tabLst>
-                <a:tab algn="l" pos="0"/>
-              </a:tabLst>
-            </a:pPr>
-            <a:r>
-              <a:rPr b="1" lang="en-IN" sz="3400" spc="-1" strike="noStrike">
-                <a:solidFill>
-                  <a:srgbClr val="ffff00"/>
-                </a:solidFill>
-                <a:latin typeface="Ubuntu"/>
-                <a:ea typeface="Ubuntu"/>
-              </a:rPr>
-              <a:t>Architecture – </a:t>
-            </a:r>
-            <a:r>
-              <a:rPr b="1" lang="en-IN" sz="2400" spc="-1" strike="noStrike">
-                <a:solidFill>
-                  <a:srgbClr val="ffff00"/>
-                </a:solidFill>
-                <a:latin typeface="Ubuntu"/>
-                <a:ea typeface="Ubuntu"/>
-              </a:rPr>
-              <a:t>XGBoost</a:t>
-            </a:r>
-            <a:endParaRPr b="0" lang="en-IN" sz="2400" spc="-1" strike="noStrike">
-              <a:latin typeface="Arial"/>
-            </a:endParaRPr>
-          </a:p>
-        </p:txBody>
-      </p:sp>
-      <p:pic>
-        <p:nvPicPr>
-          <p:cNvPr id="64" name="Picture 2" descr="https://www.researchgate.net/publication/345327934/figure/fig3/AS:1022810793209856@1620868504478/Flow-chart-of-XGBoost.png"/>
-          <p:cNvPicPr/>
-          <p:nvPr/>
-        </p:nvPicPr>
-        <p:blipFill>
-          <a:blip r:embed="rId1"/>
-          <a:stretch/>
-        </p:blipFill>
-        <p:spPr>
-          <a:xfrm>
-            <a:off x="287640" y="1138680"/>
-            <a:ext cx="3328920" cy="2401200"/>
-          </a:xfrm>
-          <a:prstGeom prst="rect">
-            <a:avLst/>
-          </a:prstGeom>
-          <a:ln w="0">
-            <a:noFill/>
-          </a:ln>
-        </p:spPr>
-      </p:pic>
-      <p:sp>
-        <p:nvSpPr>
-          <p:cNvPr id="65" name="TextBox 3"/>
-          <p:cNvSpPr/>
-          <p:nvPr/>
-        </p:nvSpPr>
-        <p:spPr>
-          <a:xfrm>
-            <a:off x="3960000" y="1500840"/>
-            <a:ext cx="3607560" cy="1871640"/>
-          </a:xfrm>
-          <a:prstGeom prst="rect">
-            <a:avLst/>
-          </a:prstGeom>
-          <a:noFill/>
-          <a:ln w="0">
-            <a:noFill/>
-          </a:ln>
-        </p:spPr>
-        <p:style>
-          <a:lnRef idx="0"/>
-          <a:fillRef idx="0"/>
-          <a:effectRef idx="0"/>
-          <a:fontRef idx="minor"/>
-        </p:style>
-        <p:txBody>
-          <a:bodyPr lIns="90000" rIns="90000" tIns="45000" bIns="45000" anchor="t">
-            <a:spAutoFit/>
-          </a:bodyPr>
-          <a:p>
-            <a:pPr algn="just">
-              <a:lnSpc>
-                <a:spcPct val="100000"/>
-              </a:lnSpc>
-              <a:buNone/>
-            </a:pPr>
-            <a:r>
-              <a:rPr b="0" lang="en-US" sz="1300" spc="-1" strike="noStrike">
-                <a:solidFill>
-                  <a:srgbClr val="d4f3fd"/>
-                </a:solidFill>
-                <a:latin typeface="Ubuntu"/>
-                <a:ea typeface="Arial"/>
-              </a:rPr>
-              <a:t>XGBoost, which stands for Extreme Gradient Boosting. XGBoost is a popular and efficient open-source implementation of the gradient boosted trees algorithm.. Gradient boosting is a supervised learning algorithm, which attempts to accurately predict a target variable by combining the estimates of a set of simpler, weaker models.</a:t>
-            </a:r>
-            <a:endParaRPr b="0" lang="en-IN" sz="1300" spc="-1" strike="noStrike">
-              <a:latin typeface="Arial"/>
-            </a:endParaRPr>
-          </a:p>
-        </p:txBody>
-      </p:sp>
-    </p:spTree>
-  </p:cSld>
-  <mc:AlternateContent>
-    <mc:Choice Requires="p14">
-      <p:transition spd="slow" p14:dur="2000"/>
-    </mc:Choice>
-    <mc:Fallback>
-      <p:transition spd="slow"/>
-    </mc:Fallback>
-  </mc:AlternateContent>
-</p:sld>
-</file>
-
-<file path=ppt/slides/slide9.xml><?xml version="1.0" encoding="utf-8"?>
 <p:sld xmlns:a="http://schemas.openxmlformats.org/drawingml/2006/main" xmlns:p="http://schemas.openxmlformats.org/presentationml/2006/main" xmlns:r="http://schemas.openxmlformats.org/officeDocument/2006/relationships" xmlns:p14="http://schemas.microsoft.com/office/powerpoint/2010/main" xmlns:p15="http://schemas.microsoft.com/office/powerpoint/2012/main" xmlns:mc="http://schemas.openxmlformats.org/markup-compatibility/2006">
   <p:cSld>
     <p:bg>
@@ -4740,14 +4435,14 @@
       </p:grpSpPr>
       <p:sp>
         <p:nvSpPr>
-          <p:cNvPr id="66" name="Google Shape;174;p19"/>
+          <p:cNvPr id="63" name="Google Shape;174;p19"/>
           <p:cNvSpPr/>
           <p:nvPr/>
         </p:nvSpPr>
         <p:spPr>
           <a:xfrm>
             <a:off x="360" y="200160"/>
-            <a:ext cx="7918920" cy="699120"/>
+            <a:ext cx="7918560" cy="698760"/>
           </a:xfrm>
           <a:prstGeom prst="rect">
             <a:avLst/>
@@ -4795,7 +4490,7 @@
       </p:sp>
       <p:pic>
         <p:nvPicPr>
-          <p:cNvPr id="67" name="" descr=""/>
+          <p:cNvPr id="64" name="" descr=""/>
           <p:cNvPicPr/>
           <p:nvPr/>
         </p:nvPicPr>
@@ -4805,8 +4500,116 @@
         </p:blipFill>
         <p:spPr>
           <a:xfrm>
-            <a:off x="0" y="720000"/>
-            <a:ext cx="7920000" cy="3237480"/>
+            <a:off x="1375200" y="720000"/>
+            <a:ext cx="5162760" cy="3240000"/>
+          </a:xfrm>
+          <a:prstGeom prst="rect">
+            <a:avLst/>
+          </a:prstGeom>
+          <a:ln w="0">
+            <a:noFill/>
+          </a:ln>
+        </p:spPr>
+      </p:pic>
+    </p:spTree>
+  </p:cSld>
+  <mc:AlternateContent>
+    <mc:Choice Requires="p14">
+      <p:transition spd="slow" p14:dur="2000"/>
+    </mc:Choice>
+    <mc:Fallback>
+      <p:transition spd="slow"/>
+    </mc:Fallback>
+  </mc:AlternateContent>
+</p:sld>
+</file>
+
+<file path=ppt/slides/slide9.xml><?xml version="1.0" encoding="utf-8"?>
+<p:sld xmlns:a="http://schemas.openxmlformats.org/drawingml/2006/main" xmlns:p="http://schemas.openxmlformats.org/presentationml/2006/main" xmlns:r="http://schemas.openxmlformats.org/officeDocument/2006/relationships" xmlns:p14="http://schemas.microsoft.com/office/powerpoint/2010/main" xmlns:p15="http://schemas.microsoft.com/office/powerpoint/2012/main" xmlns:mc="http://schemas.openxmlformats.org/markup-compatibility/2006">
+  <p:cSld>
+    <p:spTree>
+      <p:nvGrpSpPr>
+        <p:cNvPr id="1" name=""/>
+        <p:cNvGrpSpPr/>
+        <p:nvPr/>
+      </p:nvGrpSpPr>
+      <p:grpSpPr>
+        <a:xfrm>
+          <a:off x="0" y="0"/>
+          <a:ext cx="0" cy="0"/>
+          <a:chOff x="0" y="0"/>
+          <a:chExt cx="0" cy="0"/>
+        </a:xfrm>
+      </p:grpSpPr>
+      <p:sp>
+        <p:nvSpPr>
+          <p:cNvPr id="65" name="Google Shape;174;p19"/>
+          <p:cNvSpPr/>
+          <p:nvPr/>
+        </p:nvSpPr>
+        <p:spPr>
+          <a:xfrm>
+            <a:off x="360" y="200160"/>
+            <a:ext cx="7918560" cy="698760"/>
+          </a:xfrm>
+          <a:prstGeom prst="rect">
+            <a:avLst/>
+          </a:prstGeom>
+          <a:noFill/>
+          <a:ln w="0">
+            <a:noFill/>
+          </a:ln>
+        </p:spPr>
+        <p:style>
+          <a:lnRef idx="0"/>
+          <a:fillRef idx="0"/>
+          <a:effectRef idx="0"/>
+          <a:fontRef idx="minor"/>
+        </p:style>
+        <p:txBody>
+          <a:bodyPr lIns="90000" rIns="90000" tIns="45000" bIns="45000" anchor="t">
+            <a:noAutofit/>
+          </a:bodyPr>
+          <a:p>
+            <a:pPr>
+              <a:lnSpc>
+                <a:spcPct val="100000"/>
+              </a:lnSpc>
+              <a:buNone/>
+              <a:tabLst>
+                <a:tab algn="l" pos="0"/>
+              </a:tabLst>
+            </a:pPr>
+            <a:r>
+              <a:rPr b="1" lang="en-IN" sz="2400" spc="-1" strike="noStrike">
+                <a:solidFill>
+                  <a:srgbClr val="ffff00"/>
+                </a:solidFill>
+                <a:latin typeface="Ubuntu"/>
+                <a:ea typeface="Ubuntu"/>
+              </a:rPr>
+              <a:t>Class diagram</a:t>
+            </a:r>
+            <a:endParaRPr b="0" lang="en-IN" sz="2400" spc="-1" strike="noStrike">
+              <a:latin typeface="Arial"/>
+            </a:endParaRPr>
+          </a:p>
+        </p:txBody>
+      </p:sp>
+      <p:pic>
+        <p:nvPicPr>
+          <p:cNvPr id="66" name="" descr=""/>
+          <p:cNvPicPr/>
+          <p:nvPr/>
+        </p:nvPicPr>
+        <p:blipFill>
+          <a:blip r:embed="rId1"/>
+          <a:stretch/>
+        </p:blipFill>
+        <p:spPr>
+          <a:xfrm>
+            <a:off x="632160" y="720000"/>
+            <a:ext cx="6648840" cy="2719440"/>
           </a:xfrm>
           <a:prstGeom prst="rect">
             <a:avLst/>
